--- a/Guided-capstone-Unit-6/Guided-Capstone-Project-Report.pptx
+++ b/Guided-capstone-Unit-6/Guided-Capstone-Project-Report.pptx
@@ -6082,7 +6082,21 @@
                 <a:latin typeface="Times New Roman" panose="02020603050405020304" pitchFamily="18" charset="0"/>
                 <a:cs typeface="Times New Roman" panose="02020603050405020304" pitchFamily="18" charset="0"/>
               </a:rPr>
-              <a:t>						BIG MOUNTAIN RESORT</a:t>
+              <a:t>			</a:t>
+            </a:r>
+            <a:r>
+              <a:rPr lang="en-GB" sz="3600" dirty="0" smtClean="0">
+                <a:latin typeface="Times New Roman" panose="02020603050405020304" pitchFamily="18" charset="0"/>
+                <a:cs typeface="Times New Roman" panose="02020603050405020304" pitchFamily="18" charset="0"/>
+              </a:rPr>
+              <a:t>WHITEFISH </a:t>
+            </a:r>
+            <a:r>
+              <a:rPr lang="en-GB" sz="3600" dirty="0" smtClean="0">
+                <a:latin typeface="Times New Roman" panose="02020603050405020304" pitchFamily="18" charset="0"/>
+                <a:cs typeface="Times New Roman" panose="02020603050405020304" pitchFamily="18" charset="0"/>
+              </a:rPr>
+              <a:t>MOUNTAIN RESORT</a:t>
             </a:r>
             <a:br>
               <a:rPr lang="en-GB" sz="3600" dirty="0" smtClean="0">
@@ -6125,7 +6139,14 @@
                 <a:latin typeface="Times New Roman" panose="02020603050405020304" pitchFamily="18" charset="0"/>
                 <a:cs typeface="Times New Roman" panose="02020603050405020304" pitchFamily="18" charset="0"/>
               </a:rPr>
-              <a:t>Analyzing the Big </a:t>
+              <a:t>Analyzing the </a:t>
+            </a:r>
+            <a:r>
+              <a:rPr lang="en-US" sz="2800" dirty="0" smtClean="0">
+                <a:latin typeface="Times New Roman" panose="02020603050405020304" pitchFamily="18" charset="0"/>
+                <a:cs typeface="Times New Roman" panose="02020603050405020304" pitchFamily="18" charset="0"/>
+              </a:rPr>
+              <a:t>Whitefish </a:t>
             </a:r>
             <a:r>
               <a:rPr lang="en-US" sz="2800" dirty="0">
@@ -6222,7 +6243,21 @@
                 <a:latin typeface="Times New Roman" panose="02020603050405020304" pitchFamily="18" charset="0"/>
                 <a:cs typeface="Times New Roman" panose="02020603050405020304" pitchFamily="18" charset="0"/>
               </a:rPr>
-              <a:t>BMR has implemented a new chair lift. Cost? $1.54MM </a:t>
+              <a:t>W</a:t>
+            </a:r>
+            <a:r>
+              <a:rPr lang="en-US" sz="2800" dirty="0" smtClean="0">
+                <a:latin typeface="Times New Roman" panose="02020603050405020304" pitchFamily="18" charset="0"/>
+                <a:cs typeface="Times New Roman" panose="02020603050405020304" pitchFamily="18" charset="0"/>
+              </a:rPr>
+              <a:t>MR </a:t>
+            </a:r>
+            <a:r>
+              <a:rPr lang="en-US" sz="2800" dirty="0">
+                <a:latin typeface="Times New Roman" panose="02020603050405020304" pitchFamily="18" charset="0"/>
+                <a:cs typeface="Times New Roman" panose="02020603050405020304" pitchFamily="18" charset="0"/>
+              </a:rPr>
+              <a:t>has implemented a new chair lift. Cost? $1.54MM </a:t>
             </a:r>
           </a:p>
           <a:p>
@@ -6233,10 +6268,6 @@
               </a:rPr>
               <a:t>How to maintain profit margins of 9.2% over the next season?</a:t>
             </a:r>
-            <a:endParaRPr lang="en-US" sz="2800" dirty="0">
-              <a:latin typeface="Times New Roman" panose="02020603050405020304" pitchFamily="18" charset="0"/>
-              <a:cs typeface="Times New Roman" panose="02020603050405020304" pitchFamily="18" charset="0"/>
-            </a:endParaRPr>
           </a:p>
         </p:txBody>
       </p:sp>
@@ -6418,7 +6449,14 @@
                 <a:latin typeface="Times New Roman" panose="02020603050405020304" pitchFamily="18" charset="0"/>
                 <a:cs typeface="Times New Roman" panose="02020603050405020304" pitchFamily="18" charset="0"/>
               </a:rPr>
-              <a:t>Applied Linear Regression, ARD Regression, and </a:t>
+              <a:t>Applied Linear </a:t>
+            </a:r>
+            <a:r>
+              <a:rPr lang="en-US" sz="2800" dirty="0" smtClean="0">
+                <a:latin typeface="Times New Roman" panose="02020603050405020304" pitchFamily="18" charset="0"/>
+                <a:cs typeface="Times New Roman" panose="02020603050405020304" pitchFamily="18" charset="0"/>
+              </a:rPr>
+              <a:t>Regression and </a:t>
             </a:r>
             <a:r>
               <a:rPr lang="en-US" sz="2800" dirty="0" err="1">
@@ -6454,7 +6492,28 @@
                 <a:latin typeface="Times New Roman" panose="02020603050405020304" pitchFamily="18" charset="0"/>
                 <a:cs typeface="Times New Roman" panose="02020603050405020304" pitchFamily="18" charset="0"/>
               </a:rPr>
-              <a:t>Prices tied to number of runs and four-seat chairlifts, boding well for BMR’s recent decision.</a:t>
+              <a:t>Prices tied to number of runs and four-seat chairlifts, boding well </a:t>
+            </a:r>
+            <a:r>
+              <a:rPr lang="en-US" sz="2800">
+                <a:latin typeface="Times New Roman" panose="02020603050405020304" pitchFamily="18" charset="0"/>
+                <a:cs typeface="Times New Roman" panose="02020603050405020304" pitchFamily="18" charset="0"/>
+              </a:rPr>
+              <a:t>for </a:t>
+            </a:r>
+            <a:r>
+              <a:rPr lang="en-US" sz="2800" smtClean="0">
+                <a:latin typeface="Times New Roman" panose="02020603050405020304" pitchFamily="18" charset="0"/>
+                <a:cs typeface="Times New Roman" panose="02020603050405020304" pitchFamily="18" charset="0"/>
+              </a:rPr>
+              <a:t>WMR’s </a:t>
+            </a:r>
+            <a:r>
+              <a:rPr lang="en-US" sz="2800" dirty="0">
+                <a:latin typeface="Times New Roman" panose="02020603050405020304" pitchFamily="18" charset="0"/>
+                <a:cs typeface="Times New Roman" panose="02020603050405020304" pitchFamily="18" charset="0"/>
+              </a:rPr>
+              <a:t>recent decision.</a:t>
             </a:r>
           </a:p>
           <a:p>
